--- a/src/video-07-validity.pptx
+++ b/src/video-07-validity.pptx
@@ -42,6 +42,8 @@
     <p:sldId id="290" r:id="rId36"/>
     <p:sldId id="291" r:id="rId37"/>
     <p:sldId id="292" r:id="rId38"/>
+    <p:sldId id="293" r:id="rId39"/>
+    <p:sldId id="294" r:id="rId40"/>
   </p:sldIdLst>
   <p:sldSz cx="9144000" cy="6858000" type="screen4x3"/>
   <p:notesSz cx="6858000" cy="9144000"/>
@@ -4062,25 +4064,102 @@
           </a:p>
         </p:txBody>
       </p:sp>
-      <p:sp>
-        <p:nvSpPr>
-          <p:cNvPr id="3" name="Content Placeholder 2"/>
-          <p:cNvSpPr>
-            <a:spLocks noGrp="1"/>
-          </p:cNvSpPr>
-          <p:nvPr>
-            <p:ph idx="1"/>
-          </p:nvPr>
-        </p:nvSpPr>
-        <p:spPr/>
-        <p:txBody>
-          <a:bodyPr/>
-          <a:lstStyle/>
-          <a:p>
-            <a:pPr lvl="1"/>
-            <a:r>
-              <a:rPr/>
-              <a:t>Rating the dimensions of internal validity (assets/img/image2.png)</a:t>
+      <p:pic>
+        <p:nvPicPr>
+          <p:cNvPr descr="../images/image-07-02.png" id="0" name="Picture 1"/>
+          <p:cNvPicPr>
+            <a:picLocks noGrp="1" noChangeAspect="1"/>
+          </p:cNvPicPr>
+          <p:nvPr/>
+        </p:nvPicPr>
+        <p:blipFill>
+          <a:blip r:embed="rId2"/>
+          <a:stretch>
+            <a:fillRect/>
+          </a:stretch>
+        </p:blipFill>
+        <p:spPr bwMode="auto">
+          <a:xfrm>
+            <a:off x="2400300" y="1600200"/>
+            <a:ext cx="4330700" cy="4013200"/>
+          </a:xfrm>
+          <a:prstGeom prst="rect">
+            <a:avLst/>
+          </a:prstGeom>
+          <a:noFill/>
+          <a:ln w="9525">
+            <a:noFill/>
+            <a:headEnd/>
+            <a:tailEnd/>
+          </a:ln>
+        </p:spPr>
+      </p:pic>
+      <p:sp>
+        <p:nvSpPr>
+          <p:cNvPr id="1" name="TextBox 3"/>
+          <p:cNvSpPr txBox="1"/>
+          <p:nvPr/>
+        </p:nvSpPr>
+        <p:spPr>
+          <a:xfrm>
+            <a:off x="457200" y="5613400"/>
+            <a:ext cx="8229600" cy="508000"/>
+          </a:xfrm>
+          <a:prstGeom prst="rect">
+            <a:avLst/>
+          </a:prstGeom>
+          <a:noFill/>
+        </p:spPr>
+        <p:txBody>
+          <a:bodyPr/>
+          <a:lstStyle/>
+          <a:p>
+            <a:pPr lvl="0" marL="0" indent="0" algn="ctr">
+              <a:buNone/>
+            </a:pPr>
+            <a:r>
+              <a:rPr/>
+              <a:t>Rating</a:t>
+            </a:r>
+            <a:r>
+              <a:rPr/>
+              <a:t> </a:t>
+            </a:r>
+            <a:r>
+              <a:rPr/>
+              <a:t>the</a:t>
+            </a:r>
+            <a:r>
+              <a:rPr/>
+              <a:t> </a:t>
+            </a:r>
+            <a:r>
+              <a:rPr/>
+              <a:t>dimensions</a:t>
+            </a:r>
+            <a:r>
+              <a:rPr/>
+              <a:t> </a:t>
+            </a:r>
+            <a:r>
+              <a:rPr/>
+              <a:t>of</a:t>
+            </a:r>
+            <a:r>
+              <a:rPr/>
+              <a:t> </a:t>
+            </a:r>
+            <a:r>
+              <a:rPr/>
+              <a:t>internal</a:t>
+            </a:r>
+            <a:r>
+              <a:rPr/>
+              <a:t> </a:t>
+            </a:r>
+            <a:r>
+              <a:rPr/>
+              <a:t>validity</a:t>
             </a:r>
           </a:p>
         </p:txBody>
@@ -4156,31 +4235,36 @@
           </a:p>
         </p:txBody>
       </p:sp>
-      <p:sp>
-        <p:nvSpPr>
-          <p:cNvPr id="3" name="Content Placeholder 2"/>
-          <p:cNvSpPr>
-            <a:spLocks noGrp="1"/>
-          </p:cNvSpPr>
-          <p:nvPr>
-            <p:ph idx="1"/>
-          </p:nvPr>
-        </p:nvSpPr>
-        <p:spPr/>
-        <p:txBody>
-          <a:bodyPr/>
-          <a:lstStyle/>
-          <a:p>
-            <a:pPr lvl="0" marL="0" indent="0">
-              <a:buNone/>
-            </a:pPr>
-            <a:r>
-              <a:rPr/>
-              <a:t>(assets/img/image3.emf)</a:t>
-            </a:r>
-          </a:p>
-        </p:txBody>
-      </p:sp>
+      <p:pic>
+        <p:nvPicPr>
+          <p:cNvPr descr="../images/image-07-03.png" id="0" name="Picture 1"/>
+          <p:cNvPicPr>
+            <a:picLocks noGrp="1" noChangeAspect="1"/>
+          </p:cNvPicPr>
+          <p:nvPr/>
+        </p:nvPicPr>
+        <p:blipFill>
+          <a:blip r:embed="rId2"/>
+          <a:stretch>
+            <a:fillRect/>
+          </a:stretch>
+        </p:blipFill>
+        <p:spPr bwMode="auto">
+          <a:xfrm>
+            <a:off x="723900" y="1600200"/>
+            <a:ext cx="7696200" cy="4521200"/>
+          </a:xfrm>
+          <a:prstGeom prst="rect">
+            <a:avLst/>
+          </a:prstGeom>
+          <a:noFill/>
+          <a:ln w="9525">
+            <a:noFill/>
+            <a:headEnd/>
+            <a:tailEnd/>
+          </a:ln>
+        </p:spPr>
+      </p:pic>
     </p:spTree>
   </p:cSld>
 </p:sld>
@@ -4699,31 +4783,36 @@
           </a:p>
         </p:txBody>
       </p:sp>
-      <p:sp>
-        <p:nvSpPr>
-          <p:cNvPr id="3" name="Content Placeholder 2"/>
-          <p:cNvSpPr>
-            <a:spLocks noGrp="1"/>
-          </p:cNvSpPr>
-          <p:nvPr>
-            <p:ph idx="1"/>
-          </p:nvPr>
-        </p:nvSpPr>
-        <p:spPr/>
-        <p:txBody>
-          <a:bodyPr/>
-          <a:lstStyle/>
-          <a:p>
-            <a:pPr lvl="0" marL="0" indent="0">
-              <a:buNone/>
-            </a:pPr>
-            <a:r>
-              <a:rPr/>
-              <a:t>(assets/img/image1.png)</a:t>
-            </a:r>
-          </a:p>
-        </p:txBody>
-      </p:sp>
+      <p:pic>
+        <p:nvPicPr>
+          <p:cNvPr descr="../images/image-07-04.png" id="0" name="Picture 1"/>
+          <p:cNvPicPr>
+            <a:picLocks noGrp="1" noChangeAspect="1"/>
+          </p:cNvPicPr>
+          <p:nvPr/>
+        </p:nvPicPr>
+        <p:blipFill>
+          <a:blip r:embed="rId2"/>
+          <a:stretch>
+            <a:fillRect/>
+          </a:stretch>
+        </p:blipFill>
+        <p:spPr bwMode="auto">
+          <a:xfrm>
+            <a:off x="457200" y="1905000"/>
+            <a:ext cx="8229600" cy="3911600"/>
+          </a:xfrm>
+          <a:prstGeom prst="rect">
+            <a:avLst/>
+          </a:prstGeom>
+          <a:noFill/>
+          <a:ln w="9525">
+            <a:noFill/>
+            <a:headEnd/>
+            <a:tailEnd/>
+          </a:ln>
+        </p:spPr>
+      </p:pic>
     </p:spTree>
   </p:cSld>
 </p:sld>
@@ -4771,31 +4860,36 @@
           </a:p>
         </p:txBody>
       </p:sp>
-      <p:sp>
-        <p:nvSpPr>
-          <p:cNvPr id="3" name="Content Placeholder 2"/>
-          <p:cNvSpPr>
-            <a:spLocks noGrp="1"/>
-          </p:cNvSpPr>
-          <p:nvPr>
-            <p:ph idx="1"/>
-          </p:nvPr>
-        </p:nvSpPr>
-        <p:spPr/>
-        <p:txBody>
-          <a:bodyPr/>
-          <a:lstStyle/>
-          <a:p>
-            <a:pPr lvl="0" marL="0" indent="0">
-              <a:buNone/>
-            </a:pPr>
-            <a:r>
-              <a:rPr/>
-              <a:t>(assets/img/image1.png)</a:t>
-            </a:r>
-          </a:p>
-        </p:txBody>
-      </p:sp>
+      <p:pic>
+        <p:nvPicPr>
+          <p:cNvPr descr="../images/image-07-05.png" id="0" name="Picture 1"/>
+          <p:cNvPicPr>
+            <a:picLocks noGrp="1" noChangeAspect="1"/>
+          </p:cNvPicPr>
+          <p:nvPr/>
+        </p:nvPicPr>
+        <p:blipFill>
+          <a:blip r:embed="rId2"/>
+          <a:stretch>
+            <a:fillRect/>
+          </a:stretch>
+        </p:blipFill>
+        <p:spPr bwMode="auto">
+          <a:xfrm>
+            <a:off x="457200" y="1905000"/>
+            <a:ext cx="8229600" cy="3911600"/>
+          </a:xfrm>
+          <a:prstGeom prst="rect">
+            <a:avLst/>
+          </a:prstGeom>
+          <a:noFill/>
+          <a:ln w="9525">
+            <a:noFill/>
+            <a:headEnd/>
+            <a:tailEnd/>
+          </a:ln>
+        </p:spPr>
+      </p:pic>
     </p:spTree>
   </p:cSld>
 </p:sld>
@@ -5019,31 +5113,36 @@
           </a:p>
         </p:txBody>
       </p:sp>
-      <p:sp>
-        <p:nvSpPr>
-          <p:cNvPr id="3" name="Content Placeholder 2"/>
-          <p:cNvSpPr>
-            <a:spLocks noGrp="1"/>
-          </p:cNvSpPr>
-          <p:nvPr>
-            <p:ph idx="1"/>
-          </p:nvPr>
-        </p:nvSpPr>
-        <p:spPr/>
-        <p:txBody>
-          <a:bodyPr/>
-          <a:lstStyle/>
-          <a:p>
-            <a:pPr lvl="0" marL="0" indent="0">
-              <a:buNone/>
-            </a:pPr>
-            <a:r>
-              <a:rPr/>
-              <a:t>(assets/img/image2.emf)</a:t>
-            </a:r>
-          </a:p>
-        </p:txBody>
-      </p:sp>
+      <p:pic>
+        <p:nvPicPr>
+          <p:cNvPr descr="../images/image-07-06.png" id="0" name="Picture 1"/>
+          <p:cNvPicPr>
+            <a:picLocks noGrp="1" noChangeAspect="1"/>
+          </p:cNvPicPr>
+          <p:nvPr/>
+        </p:nvPicPr>
+        <p:blipFill>
+          <a:blip r:embed="rId2"/>
+          <a:stretch>
+            <a:fillRect/>
+          </a:stretch>
+        </p:blipFill>
+        <p:spPr bwMode="auto">
+          <a:xfrm>
+            <a:off x="1612900" y="1600200"/>
+            <a:ext cx="5918200" cy="4521200"/>
+          </a:xfrm>
+          <a:prstGeom prst="rect">
+            <a:avLst/>
+          </a:prstGeom>
+          <a:noFill/>
+          <a:ln w="9525">
+            <a:noFill/>
+            <a:headEnd/>
+            <a:tailEnd/>
+          </a:ln>
+        </p:spPr>
+      </p:pic>
     </p:spTree>
   </p:cSld>
 </p:sld>
@@ -5140,13 +5239,6 @@
               <a:t>Cluster (random) sampling</a:t>
             </a:r>
           </a:p>
-          <a:p>
-            <a:pPr lvl="1"/>
-            <a:r>
-              <a:rPr/>
-              <a:t>MEDB 5510 - Week 7 - Part 2</a:t>
-            </a:r>
-          </a:p>
         </p:txBody>
       </p:sp>
     </p:spTree>
@@ -5242,63 +5334,7 @@
             <a:pPr lvl="2"/>
             <a:r>
               <a:rPr/>
-              <a:t>Convenience sampling *** ### Sampling</a:t>
-            </a:r>
-          </a:p>
-          <a:p>
-            <a:pPr lvl="1"/>
-            <a:r>
-              <a:rPr/>
-              <a:t>Sample size</a:t>
-            </a:r>
-          </a:p>
-          <a:p>
-            <a:pPr lvl="2"/>
-            <a:r>
-              <a:rPr/>
-              <a:t>General rules</a:t>
-            </a:r>
-          </a:p>
-          <a:p>
-            <a:pPr lvl="3"/>
-            <a:r>
-              <a:rPr/>
-              <a:t>Representativeness vs number</a:t>
-            </a:r>
-          </a:p>
-          <a:p>
-            <a:pPr lvl="3"/>
-            <a:r>
-              <a:rPr/>
-              <a:t>Impact of having very large sample sizes</a:t>
-            </a:r>
-          </a:p>
-          <a:p>
-            <a:pPr lvl="2"/>
-            <a:r>
-              <a:rPr/>
-              <a:t>Generally –</a:t>
-            </a:r>
-          </a:p>
-          <a:p>
-            <a:pPr lvl="3"/>
-            <a:r>
-              <a:rPr/>
-              <a:t>Need sample to be large enough so you don’t miss important findings</a:t>
-            </a:r>
-          </a:p>
-          <a:p>
-            <a:pPr lvl="3"/>
-            <a:r>
-              <a:rPr/>
-              <a:t>If very large sample, need to distinguish statistical significance vs clinically important</a:t>
-            </a:r>
-          </a:p>
-          <a:p>
-            <a:pPr lvl="1"/>
-            <a:r>
-              <a:rPr/>
-              <a:t>MEDB 5510 - Week 7 - Part 2</a:t>
+              <a:t>Convenience sampling</a:t>
             </a:r>
           </a:p>
         </p:txBody>
@@ -5345,15 +5381,7 @@
             </a:pPr>
             <a:r>
               <a:rPr/>
-              <a:t>External</a:t>
-            </a:r>
-            <a:r>
-              <a:rPr/>
-              <a:t> </a:t>
-            </a:r>
-            <a:r>
-              <a:rPr/>
-              <a:t>Validity</a:t>
+              <a:t>Sampling</a:t>
             </a:r>
           </a:p>
         </p:txBody>
@@ -5376,42 +5404,49 @@
             <a:pPr lvl="1"/>
             <a:r>
               <a:rPr/>
-              <a:t>Generalizability</a:t>
+              <a:t>Sample size</a:t>
             </a:r>
           </a:p>
           <a:p>
             <a:pPr lvl="2"/>
             <a:r>
               <a:rPr/>
-              <a:t>Fig. 9.3</a:t>
+              <a:t>General rules</a:t>
+            </a:r>
+          </a:p>
+          <a:p>
+            <a:pPr lvl="3"/>
+            <a:r>
+              <a:rPr/>
+              <a:t>Representativeness vs number</a:t>
+            </a:r>
+          </a:p>
+          <a:p>
+            <a:pPr lvl="3"/>
+            <a:r>
+              <a:rPr/>
+              <a:t>Impact of having very large sample sizes</a:t>
             </a:r>
           </a:p>
           <a:p>
             <a:pPr lvl="2"/>
             <a:r>
               <a:rPr/>
-              <a:t>Evaluating Research Validity Framework</a:t>
-            </a:r>
-          </a:p>
-          <a:p>
-            <a:pPr lvl="2"/>
-            <a:r>
-              <a:rPr/>
-              <a:t>Two main aspects</a:t>
+              <a:t>Generally –</a:t>
             </a:r>
           </a:p>
           <a:p>
             <a:pPr lvl="3"/>
             <a:r>
               <a:rPr/>
-              <a:t>Population external validity</a:t>
+              <a:t>Need sample to be large enough so you don’t miss important findings</a:t>
             </a:r>
           </a:p>
           <a:p>
             <a:pPr lvl="3"/>
             <a:r>
               <a:rPr/>
-              <a:t>Ecological external validity</a:t>
+              <a:t>If very large sample, need to distinguish statistical significance vs clinically important</a:t>
             </a:r>
           </a:p>
         </p:txBody>
@@ -5569,56 +5604,42 @@
             <a:pPr lvl="1"/>
             <a:r>
               <a:rPr/>
+              <a:t>Generalizability</a:t>
+            </a:r>
+          </a:p>
+          <a:p>
+            <a:pPr lvl="2"/>
+            <a:r>
+              <a:rPr/>
+              <a:t>Fig. 9.3</a:t>
+            </a:r>
+          </a:p>
+          <a:p>
+            <a:pPr lvl="2"/>
+            <a:r>
+              <a:rPr/>
+              <a:t>Evaluating Research Validity Framework</a:t>
+            </a:r>
+          </a:p>
+          <a:p>
+            <a:pPr lvl="2"/>
+            <a:r>
+              <a:rPr/>
+              <a:t>Two main aspects</a:t>
+            </a:r>
+          </a:p>
+          <a:p>
+            <a:pPr lvl="3"/>
+            <a:r>
+              <a:rPr/>
               <a:t>Population external validity</a:t>
             </a:r>
           </a:p>
           <a:p>
-            <a:pPr lvl="2"/>
-            <a:r>
-              <a:rPr/>
-              <a:t>How participants were selected for the study?</a:t>
-            </a:r>
-          </a:p>
-          <a:p>
-            <a:pPr lvl="2"/>
-            <a:r>
-              <a:rPr/>
-              <a:t>Is sample representative of the target population?</a:t>
-            </a:r>
-          </a:p>
-          <a:p>
-            <a:pPr lvl="2"/>
-            <a:r>
-              <a:rPr/>
-              <a:t>Validity framework *** ### External Validity</a:t>
-            </a:r>
-          </a:p>
-          <a:p>
-            <a:pPr lvl="1"/>
+            <a:pPr lvl="3"/>
             <a:r>
               <a:rPr/>
               <a:t>Ecological external validity</a:t>
-            </a:r>
-          </a:p>
-          <a:p>
-            <a:pPr lvl="2"/>
-            <a:r>
-              <a:rPr/>
-              <a:t>Whether the results can be generalized to real-life outcomes</a:t>
-            </a:r>
-          </a:p>
-          <a:p>
-            <a:pPr lvl="2"/>
-            <a:r>
-              <a:rPr/>
-              <a:t>Trade-off with control of study</a:t>
-            </a:r>
-          </a:p>
-          <a:p>
-            <a:pPr lvl="2"/>
-            <a:r>
-              <a:rPr/>
-              <a:t>Validity framework</a:t>
             </a:r>
           </a:p>
         </p:txBody>
@@ -5693,12 +5714,31 @@
           <a:bodyPr/>
           <a:lstStyle/>
           <a:p>
-            <a:pPr lvl="0" marL="0" indent="0">
-              <a:buNone/>
-            </a:pPr>
-            <a:r>
-              <a:rPr/>
-              <a:t>(assets/img/image3.png)</a:t>
+            <a:pPr lvl="1"/>
+            <a:r>
+              <a:rPr/>
+              <a:t>Population external validity</a:t>
+            </a:r>
+          </a:p>
+          <a:p>
+            <a:pPr lvl="2"/>
+            <a:r>
+              <a:rPr/>
+              <a:t>How participants were selected for the study?</a:t>
+            </a:r>
+          </a:p>
+          <a:p>
+            <a:pPr lvl="2"/>
+            <a:r>
+              <a:rPr/>
+              <a:t>Is sample representative of the target population?</a:t>
+            </a:r>
+          </a:p>
+          <a:p>
+            <a:pPr lvl="2"/>
+            <a:r>
+              <a:rPr/>
+              <a:t>Validity framework</a:t>
             </a:r>
           </a:p>
         </p:txBody>
@@ -5745,7 +5785,7 @@
             </a:pPr>
             <a:r>
               <a:rPr/>
-              <a:t>Sampling</a:t>
+              <a:t>External</a:t>
             </a:r>
             <a:r>
               <a:rPr/>
@@ -5753,14 +5793,6 @@
             </a:r>
             <a:r>
               <a:rPr/>
-              <a:t>and</a:t>
-            </a:r>
-            <a:r>
-              <a:rPr/>
-              <a:t> </a:t>
-            </a:r>
-            <a:r>
-              <a:rPr/>
               <a:t>Validity</a:t>
             </a:r>
           </a:p>
@@ -5781,12 +5813,31 @@
           <a:bodyPr/>
           <a:lstStyle/>
           <a:p>
-            <a:pPr lvl="0" marL="0" indent="0">
-              <a:buNone/>
-            </a:pPr>
-            <a:r>
-              <a:rPr/>
-              <a:t>(assets/img/image4.emf)</a:t>
+            <a:pPr lvl="1"/>
+            <a:r>
+              <a:rPr/>
+              <a:t>Ecological external validity</a:t>
+            </a:r>
+          </a:p>
+          <a:p>
+            <a:pPr lvl="2"/>
+            <a:r>
+              <a:rPr/>
+              <a:t>Whether the results can be generalized to real-life outcomes</a:t>
+            </a:r>
+          </a:p>
+          <a:p>
+            <a:pPr lvl="2"/>
+            <a:r>
+              <a:rPr/>
+              <a:t>Trade-off with control of study</a:t>
+            </a:r>
+          </a:p>
+          <a:p>
+            <a:pPr lvl="2"/>
+            <a:r>
+              <a:rPr/>
+              <a:t>Validity framework</a:t>
             </a:r>
           </a:p>
         </p:txBody>
@@ -5833,34 +5884,49 @@
             </a:pPr>
             <a:r>
               <a:rPr/>
-              <a:t>Sampling</a:t>
-            </a:r>
-          </a:p>
-        </p:txBody>
-      </p:sp>
-      <p:sp>
-        <p:nvSpPr>
-          <p:cNvPr id="3" name="Content Placeholder 2"/>
-          <p:cNvSpPr>
-            <a:spLocks noGrp="1"/>
-          </p:cNvSpPr>
-          <p:nvPr>
-            <p:ph idx="1"/>
-          </p:nvPr>
-        </p:nvSpPr>
-        <p:spPr/>
-        <p:txBody>
-          <a:bodyPr/>
-          <a:lstStyle/>
-          <a:p>
-            <a:pPr lvl="1"/>
-            <a:r>
-              <a:rPr/>
-              <a:t>Portney &amp; Watkins (2009) (assets/img/image5.jpeg)</a:t>
-            </a:r>
-          </a:p>
-        </p:txBody>
-      </p:sp>
+              <a:t>External</a:t>
+            </a:r>
+            <a:r>
+              <a:rPr/>
+              <a:t> </a:t>
+            </a:r>
+            <a:r>
+              <a:rPr/>
+              <a:t>Validity</a:t>
+            </a:r>
+          </a:p>
+        </p:txBody>
+      </p:sp>
+      <p:pic>
+        <p:nvPicPr>
+          <p:cNvPr descr="../images/image-07-07.png" id="0" name="Picture 1"/>
+          <p:cNvPicPr>
+            <a:picLocks noGrp="1" noChangeAspect="1"/>
+          </p:cNvPicPr>
+          <p:nvPr/>
+        </p:nvPicPr>
+        <p:blipFill>
+          <a:blip r:embed="rId2"/>
+          <a:stretch>
+            <a:fillRect/>
+          </a:stretch>
+        </p:blipFill>
+        <p:spPr bwMode="auto">
+          <a:xfrm>
+            <a:off x="1854200" y="1600200"/>
+            <a:ext cx="5435600" cy="4521200"/>
+          </a:xfrm>
+          <a:prstGeom prst="rect">
+            <a:avLst/>
+          </a:prstGeom>
+          <a:noFill/>
+          <a:ln w="9525">
+            <a:noFill/>
+            <a:headEnd/>
+            <a:tailEnd/>
+          </a:ln>
+        </p:spPr>
+      </p:pic>
     </p:spTree>
   </p:cSld>
 </p:sld>
@@ -5903,7 +5969,7 @@
             </a:pPr>
             <a:r>
               <a:rPr/>
-              <a:t>Assignment</a:t>
+              <a:t>Sampling</a:t>
             </a:r>
             <a:r>
               <a:rPr/>
@@ -5911,34 +5977,49 @@
             </a:r>
             <a:r>
               <a:rPr/>
-              <a:t>#5</a:t>
-            </a:r>
-          </a:p>
-        </p:txBody>
-      </p:sp>
-      <p:sp>
-        <p:nvSpPr>
-          <p:cNvPr id="3" name="Content Placeholder 2"/>
-          <p:cNvSpPr>
-            <a:spLocks noGrp="1"/>
-          </p:cNvSpPr>
-          <p:nvPr>
-            <p:ph idx="1"/>
-          </p:nvPr>
-        </p:nvSpPr>
-        <p:spPr/>
-        <p:txBody>
-          <a:bodyPr/>
-          <a:lstStyle/>
-          <a:p>
-            <a:pPr lvl="1"/>
-            <a:r>
-              <a:rPr/>
-              <a:t>Prepare a first draft of the literature review that supports your research topic and provides evidence of the significance of the topic. Submit this assignment using “ Turnitin ” through Blackboard.</a:t>
-            </a:r>
-          </a:p>
-        </p:txBody>
-      </p:sp>
+              <a:t>and</a:t>
+            </a:r>
+            <a:r>
+              <a:rPr/>
+              <a:t> </a:t>
+            </a:r>
+            <a:r>
+              <a:rPr/>
+              <a:t>Validity</a:t>
+            </a:r>
+          </a:p>
+        </p:txBody>
+      </p:sp>
+      <p:pic>
+        <p:nvPicPr>
+          <p:cNvPr descr="../images/image-07-08.png" id="0" name="Picture 1"/>
+          <p:cNvPicPr>
+            <a:picLocks noGrp="1" noChangeAspect="1"/>
+          </p:cNvPicPr>
+          <p:nvPr/>
+        </p:nvPicPr>
+        <p:blipFill>
+          <a:blip r:embed="rId2"/>
+          <a:stretch>
+            <a:fillRect/>
+          </a:stretch>
+        </p:blipFill>
+        <p:spPr bwMode="auto">
+          <a:xfrm>
+            <a:off x="1879600" y="1600200"/>
+            <a:ext cx="5384800" cy="4521200"/>
+          </a:xfrm>
+          <a:prstGeom prst="rect">
+            <a:avLst/>
+          </a:prstGeom>
+          <a:noFill/>
+          <a:ln w="9525">
+            <a:noFill/>
+            <a:headEnd/>
+            <a:tailEnd/>
+          </a:ln>
+        </p:spPr>
+      </p:pic>
     </p:spTree>
   </p:cSld>
 </p:sld>
@@ -5981,7 +6062,7 @@
             </a:pPr>
             <a:r>
               <a:rPr/>
-              <a:t>Assignment</a:t>
+              <a:t>Sampling</a:t>
             </a:r>
           </a:p>
         </p:txBody>
@@ -6001,21 +6082,10 @@
           <a:bodyPr/>
           <a:lstStyle/>
           <a:p>
-            <a:pPr lvl="1">
-              <a:buAutoNum type="arabicPeriod"/>
-            </a:pPr>
-            <a:r>
-              <a:rPr/>
-              <a:t>Prepare a first draft of the literature review that supports your research topic and provides evidence of the significance of the topic. This assignment will be the starting point for the Review of the Literature section of your research proposal. This assignment will be submitted using “Turnitin” through Canvas.</a:t>
-            </a:r>
-          </a:p>
-          <a:p>
-            <a:pPr lvl="1">
-              <a:buAutoNum type="arabicPeriod"/>
-            </a:pPr>
-            <a:r>
-              <a:rPr/>
-              <a:t>Prepare for next weekâ€™s session</a:t>
+            <a:pPr lvl="1"/>
+            <a:r>
+              <a:rPr/>
+              <a:t>Portney &amp; Watkins (2009) </a:t>
             </a:r>
           </a:p>
         </p:txBody>
@@ -6062,7 +6132,7 @@
             </a:pPr>
             <a:r>
               <a:rPr/>
-              <a:t>Discussion</a:t>
+              <a:t>Assignment</a:t>
             </a:r>
             <a:r>
               <a:rPr/>
@@ -6070,7 +6140,7 @@
             </a:r>
             <a:r>
               <a:rPr/>
-              <a:t>questions</a:t>
+              <a:t>#5</a:t>
             </a:r>
           </a:p>
         </p:txBody>
@@ -6090,30 +6160,10 @@
           <a:bodyPr/>
           <a:lstStyle/>
           <a:p>
-            <a:pPr lvl="1">
-              <a:buAutoNum type="arabicPeriod"/>
-            </a:pPr>
-            <a:r>
-              <a:rPr/>
-              <a:t>What can be done to address different threats to internal validity?</a:t>
-            </a:r>
-          </a:p>
-          <a:p>
-            <a:pPr lvl="1">
-              <a:buAutoNum type="arabicPeriod"/>
-            </a:pPr>
-            <a:r>
-              <a:rPr/>
-              <a:t>How would you evaluate the external validity of your research project?</a:t>
-            </a:r>
-          </a:p>
-          <a:p>
-            <a:pPr lvl="1">
-              <a:buAutoNum type="arabicPeriod"/>
-            </a:pPr>
-            <a:r>
-              <a:rPr/>
-              <a:t>How will you define the appropriate sample for your research project?</a:t>
+            <a:pPr lvl="1"/>
+            <a:r>
+              <a:rPr/>
+              <a:t>Prepare a first draft of the literature review that supports your research topic and provides evidence of the significance of the topic. Submit this assignment using “ Turnitin ” through Blackboard.</a:t>
             </a:r>
           </a:p>
         </p:txBody>
@@ -6160,6 +6210,185 @@
             </a:pPr>
             <a:r>
               <a:rPr/>
+              <a:t>Assignment</a:t>
+            </a:r>
+          </a:p>
+        </p:txBody>
+      </p:sp>
+      <p:sp>
+        <p:nvSpPr>
+          <p:cNvPr id="3" name="Content Placeholder 2"/>
+          <p:cNvSpPr>
+            <a:spLocks noGrp="1"/>
+          </p:cNvSpPr>
+          <p:nvPr>
+            <p:ph idx="1"/>
+          </p:nvPr>
+        </p:nvSpPr>
+        <p:spPr/>
+        <p:txBody>
+          <a:bodyPr/>
+          <a:lstStyle/>
+          <a:p>
+            <a:pPr lvl="1">
+              <a:buAutoNum type="arabicPeriod"/>
+            </a:pPr>
+            <a:r>
+              <a:rPr/>
+              <a:t>Prepare a first draft of the literature review that supports your research topic and provides evidence of the significance of the topic. This assignment will be the starting point for the Review of the Literature section of your research proposal. This assignment will be submitted using “Turnitin” through Canvas.</a:t>
+            </a:r>
+          </a:p>
+          <a:p>
+            <a:pPr lvl="1">
+              <a:buAutoNum type="arabicPeriod"/>
+            </a:pPr>
+            <a:r>
+              <a:rPr/>
+              <a:t>Prepare for next weekâ€™s session</a:t>
+            </a:r>
+          </a:p>
+        </p:txBody>
+      </p:sp>
+    </p:spTree>
+  </p:cSld>
+</p:sld>
+</file>
+
+<file path=ppt/slides/slide38.xml><?xml version="1.0" encoding="utf-8"?>
+<p:sld xmlns:a="http://schemas.openxmlformats.org/drawingml/2006/main" xmlns:r="http://schemas.openxmlformats.org/officeDocument/2006/relationships" xmlns:p="http://schemas.openxmlformats.org/presentationml/2006/main">
+  <p:cSld>
+    <p:spTree>
+      <p:nvGrpSpPr>
+        <p:cNvPr id="1" name=""/>
+        <p:cNvGrpSpPr/>
+        <p:nvPr/>
+      </p:nvGrpSpPr>
+      <p:grpSpPr>
+        <a:xfrm>
+          <a:off x="0" y="0"/>
+          <a:ext cx="0" cy="0"/>
+          <a:chOff x="0" y="0"/>
+          <a:chExt cx="0" cy="0"/>
+        </a:xfrm>
+      </p:grpSpPr>
+      <p:sp>
+        <p:nvSpPr>
+          <p:cNvPr id="2" name="Title 1"/>
+          <p:cNvSpPr>
+            <a:spLocks noGrp="1"/>
+          </p:cNvSpPr>
+          <p:nvPr>
+            <p:ph type="title"/>
+          </p:nvPr>
+        </p:nvSpPr>
+        <p:spPr/>
+        <p:txBody>
+          <a:bodyPr/>
+          <a:lstStyle/>
+          <a:p>
+            <a:pPr lvl="0" marL="0" indent="0">
+              <a:buNone/>
+            </a:pPr>
+            <a:r>
+              <a:rPr/>
+              <a:t>Discussion</a:t>
+            </a:r>
+            <a:r>
+              <a:rPr/>
+              <a:t> </a:t>
+            </a:r>
+            <a:r>
+              <a:rPr/>
+              <a:t>questions</a:t>
+            </a:r>
+          </a:p>
+        </p:txBody>
+      </p:sp>
+      <p:sp>
+        <p:nvSpPr>
+          <p:cNvPr id="3" name="Content Placeholder 2"/>
+          <p:cNvSpPr>
+            <a:spLocks noGrp="1"/>
+          </p:cNvSpPr>
+          <p:nvPr>
+            <p:ph idx="1"/>
+          </p:nvPr>
+        </p:nvSpPr>
+        <p:spPr/>
+        <p:txBody>
+          <a:bodyPr/>
+          <a:lstStyle/>
+          <a:p>
+            <a:pPr lvl="1">
+              <a:buAutoNum type="arabicPeriod"/>
+            </a:pPr>
+            <a:r>
+              <a:rPr/>
+              <a:t>What can be done to address different threats to internal validity?</a:t>
+            </a:r>
+          </a:p>
+          <a:p>
+            <a:pPr lvl="1">
+              <a:buAutoNum type="arabicPeriod"/>
+            </a:pPr>
+            <a:r>
+              <a:rPr/>
+              <a:t>How would you evaluate the external validity of your research project?</a:t>
+            </a:r>
+          </a:p>
+          <a:p>
+            <a:pPr lvl="1">
+              <a:buAutoNum type="arabicPeriod"/>
+            </a:pPr>
+            <a:r>
+              <a:rPr/>
+              <a:t>How will you define the appropriate sample for your research project?</a:t>
+            </a:r>
+          </a:p>
+        </p:txBody>
+      </p:sp>
+    </p:spTree>
+  </p:cSld>
+</p:sld>
+</file>
+
+<file path=ppt/slides/slide39.xml><?xml version="1.0" encoding="utf-8"?>
+<p:sld xmlns:a="http://schemas.openxmlformats.org/drawingml/2006/main" xmlns:r="http://schemas.openxmlformats.org/officeDocument/2006/relationships" xmlns:p="http://schemas.openxmlformats.org/presentationml/2006/main">
+  <p:cSld>
+    <p:spTree>
+      <p:nvGrpSpPr>
+        <p:cNvPr id="1" name=""/>
+        <p:cNvGrpSpPr/>
+        <p:nvPr/>
+      </p:nvGrpSpPr>
+      <p:grpSpPr>
+        <a:xfrm>
+          <a:off x="0" y="0"/>
+          <a:ext cx="0" cy="0"/>
+          <a:chOff x="0" y="0"/>
+          <a:chExt cx="0" cy="0"/>
+        </a:xfrm>
+      </p:grpSpPr>
+      <p:sp>
+        <p:nvSpPr>
+          <p:cNvPr id="2" name="Title 1"/>
+          <p:cNvSpPr>
+            <a:spLocks noGrp="1"/>
+          </p:cNvSpPr>
+          <p:nvPr>
+            <p:ph type="title"/>
+          </p:nvPr>
+        </p:nvSpPr>
+        <p:spPr/>
+        <p:txBody>
+          <a:bodyPr/>
+          <a:lstStyle/>
+          <a:p>
+            <a:pPr lvl="0" marL="0" indent="0">
+              <a:buNone/>
+            </a:pPr>
+            <a:r>
+              <a:rPr/>
               <a:t>Additional</a:t>
             </a:r>
             <a:r>
@@ -6220,31 +6449,36 @@
           </a:p>
         </p:txBody>
       </p:sp>
-      <p:sp>
-        <p:nvSpPr>
-          <p:cNvPr id="3" name="Content Placeholder 2"/>
-          <p:cNvSpPr>
-            <a:spLocks noGrp="1"/>
-          </p:cNvSpPr>
-          <p:nvPr>
-            <p:ph idx="1"/>
-          </p:nvPr>
-        </p:nvSpPr>
-        <p:spPr/>
-        <p:txBody>
-          <a:bodyPr/>
-          <a:lstStyle/>
-          <a:p>
-            <a:pPr lvl="0" marL="0" indent="0">
-              <a:buNone/>
-            </a:pPr>
-            <a:r>
-              <a:rPr/>
-              <a:t>(assets/img/image1.png)</a:t>
-            </a:r>
-          </a:p>
-        </p:txBody>
-      </p:sp>
+      <p:pic>
+        <p:nvPicPr>
+          <p:cNvPr descr="../images/image-07-01.png" id="0" name="Picture 1"/>
+          <p:cNvPicPr>
+            <a:picLocks noGrp="1" noChangeAspect="1"/>
+          </p:cNvPicPr>
+          <p:nvPr/>
+        </p:nvPicPr>
+        <p:blipFill>
+          <a:blip r:embed="rId2"/>
+          <a:stretch>
+            <a:fillRect/>
+          </a:stretch>
+        </p:blipFill>
+        <p:spPr bwMode="auto">
+          <a:xfrm>
+            <a:off x="457200" y="1905000"/>
+            <a:ext cx="8229600" cy="3911600"/>
+          </a:xfrm>
+          <a:prstGeom prst="rect">
+            <a:avLst/>
+          </a:prstGeom>
+          <a:noFill/>
+          <a:ln w="9525">
+            <a:noFill/>
+            <a:headEnd/>
+            <a:tailEnd/>
+          </a:ln>
+        </p:spPr>
+      </p:pic>
     </p:spTree>
   </p:cSld>
 </p:sld>
